--- a/eece2160/sum18/lectures/eece.2160sum18_lec10.pptx
+++ b/eece2160/sum18/lectures/eece.2160sum18_lec10.pptx
@@ -1,6 +1,6 @@
 
 <file path=ppt/presentation.xml><?xml version="1.0" encoding="utf-8"?>
-<p:presentation xmlns:a="http://schemas.openxmlformats.org/drawingml/2006/main" xmlns:r="http://schemas.openxmlformats.org/officeDocument/2006/relationships" xmlns:p="http://schemas.openxmlformats.org/presentationml/2006/main" showSpecialPlsOnTitleSld="0" compatMode="1" saveSubsetFonts="1">
+<p:presentation xmlns:a="http://schemas.openxmlformats.org/drawingml/2006/main" xmlns:r="http://schemas.openxmlformats.org/officeDocument/2006/relationships" xmlns:p="http://schemas.openxmlformats.org/presentationml/2006/main" showSpecialPlsOnTitleSld="0" saveSubsetFonts="1">
   <p:sldMasterIdLst>
     <p:sldMasterId id="2147483792" r:id="rId1"/>
   </p:sldMasterIdLst>
@@ -167,7 +167,7 @@
   </p:defaultTextStyle>
   <p:extLst>
     <p:ext uri="{EFAFB233-063F-42B5-8137-9DF3F51BA10A}">
-      <p15:sldGuideLst xmlns:p15="http://schemas.microsoft.com/office/powerpoint/2012/main">
+      <p15:sldGuideLst xmlns:p15="http://schemas.microsoft.com/office/powerpoint/2012/main" xmlns="">
         <p15:guide id="1" orient="horz" pos="2160">
           <p15:clr>
             <a:srgbClr val="A4A3A4"/>
@@ -181,7 +181,7 @@
       </p15:sldGuideLst>
     </p:ext>
     <p:ext uri="{2D200454-40CA-4A62-9FC3-DE9A4176ACB9}">
-      <p15:notesGuideLst xmlns:p15="http://schemas.microsoft.com/office/powerpoint/2012/main">
+      <p15:notesGuideLst xmlns:p15="http://schemas.microsoft.com/office/powerpoint/2012/main" xmlns="">
         <p15:guide id="1" orient="horz" pos="2160">
           <p15:clr>
             <a:srgbClr val="A4A3A4"/>
@@ -567,7 +567,7 @@
         <p:nvSpPr>
           <p:cNvPr id="15364" name="Rectangle 4"/>
           <p:cNvSpPr>
-            <a:spLocks noRot="1" noChangeArrowheads="1" noTextEdit="1"/>
+            <a:spLocks noGrp="1" noRot="1" noChangeAspect="1" noChangeArrowheads="1" noTextEdit="1"/>
           </p:cNvSpPr>
           <p:nvPr>
             <p:ph type="sldImg" idx="2"/>
@@ -599,7 +599,7 @@
               </a14:hiddenFill>
             </a:ext>
             <a:ext uri="{FAA26D3D-D897-4be2-8F04-BA451C77F1D7}">
-              <ma14:placeholderFlag xmlns:ma14="http://schemas.microsoft.com/office/mac/drawingml/2011/main" val="1"/>
+              <ma14:placeholderFlag xmlns:ma14="http://schemas.microsoft.com/office/mac/drawingml/2011/main" xmlns="" val="1"/>
             </a:ext>
           </a:extLst>
         </p:spPr>
@@ -1118,7 +1118,7 @@
         <p:nvSpPr>
           <p:cNvPr id="19458" name="Rectangle 2"/>
           <p:cNvSpPr>
-            <a:spLocks noRot="1" noChangeArrowheads="1" noTextEdit="1"/>
+            <a:spLocks noGrp="1" noRot="1" noChangeAspect="1" noChangeArrowheads="1" noTextEdit="1"/>
           </p:cNvSpPr>
           <p:nvPr>
             <p:ph type="sldImg"/>
@@ -1160,7 +1160,7 @@
               </a14:hiddenLine>
             </a:ext>
             <a:ext uri="{FAA26D3D-D897-4be2-8F04-BA451C77F1D7}">
-              <ma14:placeholderFlag xmlns:ma14="http://schemas.microsoft.com/office/mac/drawingml/2011/main" val="1"/>
+              <ma14:placeholderFlag xmlns:ma14="http://schemas.microsoft.com/office/mac/drawingml/2011/main" xmlns="" val="1"/>
             </a:ext>
           </a:extLst>
         </p:spPr>
@@ -1418,7 +1418,7 @@
               <a:pPr>
                 <a:defRPr/>
               </a:pPr>
-              <a:t>6/14/18</a:t>
+              <a:t>6/14/2018</a:t>
             </a:fld>
             <a:endParaRPr lang="en-US" altLang="en-US"/>
           </a:p>
@@ -1625,7 +1625,7 @@
               <a:pPr>
                 <a:defRPr/>
               </a:pPr>
-              <a:t>6/14/18</a:t>
+              <a:t>6/14/2018</a:t>
             </a:fld>
             <a:endParaRPr lang="en-US" altLang="en-US"/>
           </a:p>
@@ -1841,7 +1841,7 @@
               <a:pPr>
                 <a:defRPr/>
               </a:pPr>
-              <a:t>6/14/18</a:t>
+              <a:t>6/14/2018</a:t>
             </a:fld>
             <a:endParaRPr lang="en-US" altLang="en-US"/>
           </a:p>
@@ -2114,7 +2114,7 @@
               <a:pPr>
                 <a:defRPr/>
               </a:pPr>
-              <a:t>6/14/18</a:t>
+              <a:t>6/14/2018</a:t>
             </a:fld>
             <a:endParaRPr lang="en-US" altLang="en-US"/>
           </a:p>
@@ -2387,7 +2387,7 @@
               <a:pPr>
                 <a:defRPr/>
               </a:pPr>
-              <a:t>6/14/18</a:t>
+              <a:t>6/14/2018</a:t>
             </a:fld>
             <a:endParaRPr lang="en-US" altLang="en-US"/>
           </a:p>
@@ -2593,7 +2593,7 @@
               <a:pPr>
                 <a:defRPr/>
               </a:pPr>
-              <a:t>6/14/18</a:t>
+              <a:t>6/14/2018</a:t>
             </a:fld>
             <a:endParaRPr lang="en-US" altLang="en-US"/>
           </a:p>
@@ -2821,7 +2821,7 @@
               <a:pPr>
                 <a:defRPr/>
               </a:pPr>
-              <a:t>6/14/18</a:t>
+              <a:t>6/14/2018</a:t>
             </a:fld>
             <a:endParaRPr lang="en-US" altLang="en-US"/>
           </a:p>
@@ -3145,7 +3145,7 @@
               <a:pPr>
                 <a:defRPr/>
               </a:pPr>
-              <a:t>6/14/18</a:t>
+              <a:t>6/14/2018</a:t>
             </a:fld>
             <a:endParaRPr lang="en-US" altLang="en-US"/>
           </a:p>
@@ -3608,7 +3608,7 @@
               <a:pPr>
                 <a:defRPr/>
               </a:pPr>
-              <a:t>6/14/18</a:t>
+              <a:t>6/14/2018</a:t>
             </a:fld>
             <a:endParaRPr lang="en-US" altLang="en-US"/>
           </a:p>
@@ -3762,7 +3762,7 @@
               <a:pPr>
                 <a:defRPr/>
               </a:pPr>
-              <a:t>6/14/18</a:t>
+              <a:t>6/14/2018</a:t>
             </a:fld>
             <a:endParaRPr lang="en-US" altLang="en-US"/>
           </a:p>
@@ -3893,7 +3893,7 @@
               <a:pPr>
                 <a:defRPr/>
               </a:pPr>
-              <a:t>6/14/18</a:t>
+              <a:t>6/14/2018</a:t>
             </a:fld>
             <a:endParaRPr lang="en-US" altLang="en-US"/>
           </a:p>
@@ -4206,7 +4206,7 @@
               <a:pPr>
                 <a:defRPr/>
               </a:pPr>
-              <a:t>6/14/18</a:t>
+              <a:t>6/14/2018</a:t>
             </a:fld>
             <a:endParaRPr lang="en-US" altLang="en-US"/>
           </a:p>
@@ -4496,7 +4496,7 @@
               <a:pPr>
                 <a:defRPr/>
               </a:pPr>
-              <a:t>6/14/18</a:t>
+              <a:t>6/14/2018</a:t>
             </a:fld>
             <a:endParaRPr lang="en-US" altLang="en-US"/>
           </a:p>
@@ -4647,7 +4647,7 @@
               </a14:hiddenLine>
             </a:ext>
             <a:ext uri="{FAA26D3D-D897-4be2-8F04-BA451C77F1D7}">
-              <ma14:placeholderFlag xmlns:ma14="http://schemas.microsoft.com/office/mac/drawingml/2011/main" val="1"/>
+              <ma14:placeholderFlag xmlns:ma14="http://schemas.microsoft.com/office/mac/drawingml/2011/main" xmlns="" val="1"/>
             </a:ext>
           </a:extLst>
         </p:spPr>
@@ -4708,7 +4708,7 @@
               </a14:hiddenLine>
             </a:ext>
             <a:ext uri="{FAA26D3D-D897-4be2-8F04-BA451C77F1D7}">
-              <ma14:placeholderFlag xmlns:ma14="http://schemas.microsoft.com/office/mac/drawingml/2011/main" val="1"/>
+              <ma14:placeholderFlag xmlns:ma14="http://schemas.microsoft.com/office/mac/drawingml/2011/main" xmlns="" val="1"/>
             </a:ext>
           </a:extLst>
         </p:spPr>
@@ -4805,7 +4805,7 @@
               <a:pPr>
                 <a:defRPr/>
               </a:pPr>
-              <a:t>6/14/18</a:t>
+              <a:t>6/14/2018</a:t>
             </a:fld>
             <a:endParaRPr lang="en-US" altLang="en-US"/>
           </a:p>
@@ -6738,7 +6738,7 @@
                 <a:buFontTx/>
                 <a:buNone/>
               </a:pPr>
-              <a:t>6/14/18</a:t>
+              <a:t>6/14/2018</a:t>
             </a:fld>
             <a:endParaRPr lang="en-US" altLang="en-US" sz="1200">
               <a:latin typeface="Garamond" charset="0"/>
@@ -7412,7 +7412,7 @@
                 <a:buFontTx/>
                 <a:buNone/>
               </a:pPr>
-              <a:t>6/14/18</a:t>
+              <a:t>6/14/2018</a:t>
             </a:fld>
             <a:endParaRPr lang="en-US" altLang="en-US" sz="1200">
               <a:latin typeface="Garamond" charset="0"/>
@@ -8038,7 +8038,7 @@
                 <a:buFontTx/>
                 <a:buNone/>
               </a:pPr>
-              <a:t>6/14/18</a:t>
+              <a:t>6/14/2018</a:t>
             </a:fld>
             <a:endParaRPr lang="en-US" altLang="en-US" sz="1200">
               <a:latin typeface="Garamond" charset="0"/>
@@ -8880,7 +8880,7 @@
                 <a:buFontTx/>
                 <a:buNone/>
               </a:pPr>
-              <a:t>6/14/18</a:t>
+              <a:t>6/14/2018</a:t>
             </a:fld>
             <a:endParaRPr lang="en-US" altLang="en-US" sz="1200">
               <a:latin typeface="Garamond" charset="0"/>
@@ -9539,7 +9539,7 @@
                 <a:buFontTx/>
                 <a:buNone/>
               </a:pPr>
-              <a:t>6/14/18</a:t>
+              <a:t>6/14/2018</a:t>
             </a:fld>
             <a:endParaRPr lang="en-US" altLang="en-US" sz="1200">
               <a:latin typeface="Garamond" charset="0"/>
@@ -10234,7 +10234,7 @@
                 <a:buFontTx/>
                 <a:buNone/>
               </a:pPr>
-              <a:t>6/14/18</a:t>
+              <a:t>6/14/2018</a:t>
             </a:fld>
             <a:endParaRPr lang="en-US" altLang="en-US" sz="1200">
               <a:latin typeface="Garamond" charset="0"/>
@@ -11159,7 +11159,7 @@
                 <a:buFontTx/>
                 <a:buNone/>
               </a:pPr>
-              <a:t>6/14/18</a:t>
+              <a:t>6/14/2018</a:t>
             </a:fld>
             <a:endParaRPr lang="en-US" altLang="en-US" sz="1200">
               <a:latin typeface="Garamond" charset="0"/>
@@ -12044,7 +12044,7 @@
                 <a:latin typeface="Garamond" charset="0"/>
               </a:rPr>
               <a:pPr/>
-              <a:t>6/14/18</a:t>
+              <a:t>6/14/2018</a:t>
             </a:fld>
             <a:endParaRPr lang="en-US" altLang="en-US">
               <a:latin typeface="Garamond" charset="0"/>
@@ -12751,7 +12751,7 @@
                 <a:buFontTx/>
                 <a:buNone/>
               </a:pPr>
-              <a:t>6/14/18</a:t>
+              <a:t>6/14/2018</a:t>
             </a:fld>
             <a:endParaRPr lang="en-US" altLang="en-US" sz="1200">
               <a:latin typeface="Garamond" charset="0"/>
@@ -13599,7 +13599,7 @@
                 <a:buFontTx/>
                 <a:buNone/>
               </a:pPr>
-              <a:t>6/14/18</a:t>
+              <a:t>6/14/2018</a:t>
             </a:fld>
             <a:endParaRPr lang="en-US" altLang="en-US" sz="1200">
               <a:latin typeface="Garamond" charset="0"/>
@@ -14298,7 +14298,7 @@
                 <a:buFontTx/>
                 <a:buNone/>
               </a:pPr>
-              <a:t>6/14/18</a:t>
+              <a:t>6/14/2018</a:t>
             </a:fld>
             <a:endParaRPr lang="en-US" altLang="en-US" sz="1200">
               <a:latin typeface="Garamond" charset="0"/>
@@ -15026,7 +15026,7 @@
                 <a:buFontTx/>
                 <a:buNone/>
               </a:pPr>
-              <a:t>6/14/18</a:t>
+              <a:t>6/14/2018</a:t>
             </a:fld>
             <a:endParaRPr lang="en-US" altLang="en-US" sz="1200">
               <a:latin typeface="Garamond" charset="0"/>
@@ -15732,7 +15732,7 @@
                 <a:buFontTx/>
                 <a:buNone/>
               </a:pPr>
-              <a:t>6/14/18</a:t>
+              <a:t>6/14/2018</a:t>
             </a:fld>
             <a:endParaRPr lang="en-US" altLang="en-US" sz="1200">
               <a:latin typeface="Garamond" charset="0"/>
@@ -16536,7 +16536,7 @@
                 <a:buFontTx/>
                 <a:buNone/>
               </a:pPr>
-              <a:t>6/14/18</a:t>
+              <a:t>6/14/2018</a:t>
             </a:fld>
             <a:endParaRPr lang="en-US" altLang="en-US" sz="1200">
               <a:latin typeface="Garamond" charset="0"/>
@@ -22262,7 +22262,7 @@
                 <a:buFontTx/>
                 <a:buNone/>
               </a:pPr>
-              <a:t>6/14/18</a:t>
+              <a:t>6/14/2018</a:t>
             </a:fld>
             <a:endParaRPr lang="en-US" altLang="en-US" sz="1200">
               <a:latin typeface="Garamond" charset="0"/>
@@ -23212,7 +23212,7 @@
                 <a:buFontTx/>
                 <a:buNone/>
               </a:pPr>
-              <a:t>6/14/18</a:t>
+              <a:t>6/14/2018</a:t>
             </a:fld>
             <a:endParaRPr lang="en-US" altLang="en-US" sz="1200">
               <a:latin typeface="Garamond" charset="0"/>
@@ -24011,7 +24011,7 @@
                 <a:buFontTx/>
                 <a:buNone/>
               </a:pPr>
-              <a:t>6/14/18</a:t>
+              <a:t>6/14/2018</a:t>
             </a:fld>
             <a:endParaRPr lang="en-US" altLang="en-US" sz="1200">
               <a:latin typeface="Garamond" charset="0"/>
@@ -24692,7 +24692,7 @@
                 <a:buFontTx/>
                 <a:buNone/>
               </a:pPr>
-              <a:t>6/14/18</a:t>
+              <a:t>6/14/2018</a:t>
             </a:fld>
             <a:endParaRPr lang="en-US" altLang="en-US" sz="1200">
               <a:latin typeface="Garamond" charset="0"/>
@@ -25546,7 +25546,7 @@
                 <a:buFontTx/>
                 <a:buNone/>
               </a:pPr>
-              <a:t>6/14/18</a:t>
+              <a:t>6/14/2018</a:t>
             </a:fld>
             <a:endParaRPr lang="en-US" altLang="en-US" sz="1200">
               <a:latin typeface="Garamond" charset="0"/>
@@ -26124,16 +26124,10 @@
               <a:t>strncpy</a:t>
             </a:r>
             <a:r>
-              <a:rPr lang="en-US" smtClean="0">
-                <a:cs typeface="Courier New" pitchFamily="49" charset="0"/>
-              </a:rPr>
-              <a:t>() not </a:t>
-            </a:r>
-            <a:r>
               <a:rPr lang="en-US" dirty="0" smtClean="0">
                 <a:cs typeface="Courier New" pitchFamily="49" charset="0"/>
               </a:rPr>
-              <a:t>guaranteed to add null terminator</a:t>
+              <a:t>() not guaranteed to add null terminator</a:t>
             </a:r>
           </a:p>
           <a:p>
@@ -26254,7 +26248,37 @@
               <a:rPr lang="en-US" dirty="0" smtClean="0">
                 <a:cs typeface="Courier New" pitchFamily="49" charset="0"/>
               </a:rPr>
-              <a:t>Returns 0 if s1 == s2, 1 if s1 &gt; s2, -1 if s1 &lt; s2</a:t>
+              <a:t>Returns 0 if s1 == s2, </a:t>
+            </a:r>
+            <a:r>
+              <a:rPr lang="en-US" dirty="0" smtClean="0">
+                <a:cs typeface="Courier New" pitchFamily="49" charset="0"/>
+              </a:rPr>
+              <a:t>&gt;0 </a:t>
+            </a:r>
+            <a:r>
+              <a:rPr lang="en-US" dirty="0" smtClean="0">
+                <a:cs typeface="Courier New" pitchFamily="49" charset="0"/>
+              </a:rPr>
+              <a:t>if s1 &gt; s2, </a:t>
+            </a:r>
+            <a:r>
+              <a:rPr lang="en-US" dirty="0" smtClean="0">
+                <a:cs typeface="Courier New" pitchFamily="49" charset="0"/>
+              </a:rPr>
+              <a:t>&lt;0</a:t>
+            </a:r>
+            <a:r>
+              <a:rPr lang="en-US" dirty="0" smtClean="0">
+                <a:cs typeface="Courier New" pitchFamily="49" charset="0"/>
+              </a:rPr>
+              <a:t> </a:t>
+            </a:r>
+            <a:r>
+              <a:rPr lang="en-US" dirty="0" smtClean="0">
+                <a:cs typeface="Courier New" pitchFamily="49" charset="0"/>
+              </a:rPr>
+              <a:t>if s1 &lt; s2</a:t>
             </a:r>
             <a:endParaRPr lang="en-US" dirty="0">
               <a:cs typeface="Courier New" pitchFamily="49" charset="0"/>
@@ -26496,7 +26520,7 @@
                 <a:buFontTx/>
                 <a:buNone/>
               </a:pPr>
-              <a:t>6/14/18</a:t>
+              <a:t>6/14/2018</a:t>
             </a:fld>
             <a:endParaRPr lang="en-US" altLang="en-US" sz="1200">
               <a:latin typeface="Garamond" charset="0"/>
@@ -27295,7 +27319,7 @@
                 <a:buFontTx/>
                 <a:buNone/>
               </a:pPr>
-              <a:t>6/14/18</a:t>
+              <a:t>6/14/2018</a:t>
             </a:fld>
             <a:endParaRPr lang="en-US" altLang="en-US" sz="1200">
               <a:latin typeface="Garamond" charset="0"/>
@@ -28058,7 +28082,7 @@
                 <a:buFontTx/>
                 <a:buNone/>
               </a:pPr>
-              <a:t>6/14/18</a:t>
+              <a:t>6/14/2018</a:t>
             </a:fld>
             <a:endParaRPr lang="en-US" altLang="en-US" sz="1200">
               <a:latin typeface="Garamond" charset="0"/>
@@ -28410,18 +28434,22 @@
               </a:lnSpc>
             </a:pPr>
             <a:r>
-              <a:rPr lang="en-US" altLang="en-US" sz="2100">
+              <a:rPr lang="en-US" altLang="en-US" sz="2100" dirty="0">
                 <a:ea typeface="ＭＳ Ｐゴシック" charset="-128"/>
               </a:rPr>
               <a:t>Can define structure as a type using </a:t>
             </a:r>
             <a:r>
-              <a:rPr lang="en-US" altLang="en-US" sz="2100">
+              <a:rPr lang="en-US" altLang="en-US" sz="2100" dirty="0" err="1">
                 <a:latin typeface="Courier New" charset="0"/>
                 <a:ea typeface="ＭＳ Ｐゴシック" charset="-128"/>
               </a:rPr>
               <a:t>typedef</a:t>
             </a:r>
+            <a:endParaRPr lang="en-US" altLang="en-US" sz="2100" dirty="0">
+              <a:latin typeface="Courier New" charset="0"/>
+              <a:ea typeface="ＭＳ Ｐゴシック" charset="-128"/>
+            </a:endParaRPr>
           </a:p>
           <a:p>
             <a:pPr lvl="1">
@@ -28430,45 +28458,45 @@
               </a:lnSpc>
             </a:pPr>
             <a:r>
-              <a:rPr lang="en-US" altLang="en-US" sz="1800">
+              <a:rPr lang="en-US" altLang="en-US" sz="1800" dirty="0">
                 <a:ea typeface="ＭＳ Ｐゴシック" charset="-128"/>
               </a:rPr>
               <a:t>Could omit </a:t>
             </a:r>
             <a:r>
-              <a:rPr lang="en-US" altLang="en-US" sz="1800">
+              <a:rPr lang="en-US" altLang="en-US" sz="1800" dirty="0" err="1">
                 <a:latin typeface="Courier New" charset="0"/>
                 <a:ea typeface="ＭＳ Ｐゴシック" charset="-128"/>
               </a:rPr>
               <a:t>typedef</a:t>
             </a:r>
             <a:r>
-              <a:rPr lang="en-US" altLang="en-US" sz="1800">
+              <a:rPr lang="en-US" altLang="en-US" sz="1800" dirty="0">
                 <a:ea typeface="ＭＳ Ｐゴシック" charset="-128"/>
               </a:rPr>
               <a:t>, but would need </a:t>
             </a:r>
             <a:r>
-              <a:rPr lang="ja-JP" altLang="en-US" sz="1800">
+              <a:rPr lang="ja-JP" altLang="en-US" sz="1800" dirty="0">
                 <a:ea typeface="ＭＳ Ｐゴシック" charset="-128"/>
               </a:rPr>
               <a:t>“</a:t>
             </a:r>
             <a:r>
-              <a:rPr lang="en-US" altLang="ja-JP" sz="1800">
+              <a:rPr lang="en-US" altLang="ja-JP" sz="1800" dirty="0" err="1">
                 <a:latin typeface="Courier New" charset="0"/>
                 <a:ea typeface="ＭＳ Ｐゴシック" charset="-128"/>
               </a:rPr>
               <a:t>struct</a:t>
             </a:r>
             <a:r>
-              <a:rPr lang="ja-JP" altLang="en-US" sz="1800">
+              <a:rPr lang="ja-JP" altLang="en-US" sz="1800" dirty="0">
                 <a:ea typeface="ＭＳ Ｐゴシック" charset="-128"/>
               </a:rPr>
               <a:t>”</a:t>
             </a:r>
             <a:r>
-              <a:rPr lang="en-US" altLang="ja-JP" sz="1800">
+              <a:rPr lang="en-US" altLang="ja-JP" sz="1800" dirty="0">
                 <a:ea typeface="ＭＳ Ｐゴシック" charset="-128"/>
               </a:rPr>
               <a:t> before type name</a:t>
@@ -28481,17 +28509,38 @@
               </a:lnSpc>
             </a:pPr>
             <a:r>
-              <a:rPr lang="en-US" altLang="en-US" sz="2100">
+              <a:rPr lang="en-US" altLang="en-US" sz="2100" dirty="0">
                 <a:ea typeface="ＭＳ Ｐゴシック" charset="-128"/>
               </a:rPr>
               <a:t>Syntax:  	</a:t>
             </a:r>
             <a:r>
-              <a:rPr lang="en-US" altLang="en-US" sz="2100">
+              <a:rPr lang="en-US" altLang="en-US" sz="2100" dirty="0" err="1">
                 <a:latin typeface="Courier New" charset="0"/>
                 <a:ea typeface="ＭＳ Ｐゴシック" charset="-128"/>
               </a:rPr>
-              <a:t>typedef struct {</a:t>
+              <a:t>typedef</a:t>
+            </a:r>
+            <a:r>
+              <a:rPr lang="en-US" altLang="en-US" sz="2100" dirty="0">
+                <a:latin typeface="Courier New" charset="0"/>
+                <a:ea typeface="ＭＳ Ｐゴシック" charset="-128"/>
+              </a:rPr>
+              <a:t> </a:t>
+            </a:r>
+            <a:r>
+              <a:rPr lang="en-US" altLang="en-US" sz="2100" dirty="0" err="1">
+                <a:latin typeface="Courier New" charset="0"/>
+                <a:ea typeface="ＭＳ Ｐゴシック" charset="-128"/>
+              </a:rPr>
+              <a:t>struct</a:t>
+            </a:r>
+            <a:r>
+              <a:rPr lang="en-US" altLang="en-US" sz="2100" dirty="0">
+                <a:latin typeface="Courier New" charset="0"/>
+                <a:ea typeface="ＭＳ Ｐゴシック" charset="-128"/>
+              </a:rPr>
+              <a:t> {</a:t>
             </a:r>
           </a:p>
           <a:p>
@@ -28503,12 +28552,30 @@
               <a:buNone/>
             </a:pPr>
             <a:r>
+              <a:rPr lang="en-US" altLang="en-US" sz="2100" dirty="0">
+                <a:latin typeface="Courier New" charset="0"/>
+                <a:ea typeface="ＭＳ Ｐゴシック" charset="-128"/>
+              </a:rPr>
+              <a:t>			  &lt;list </a:t>
+            </a:r>
+            <a:r>
               <a:rPr lang="en-US" altLang="en-US" sz="2100">
                 <a:latin typeface="Courier New" charset="0"/>
                 <a:ea typeface="ＭＳ Ｐゴシック" charset="-128"/>
               </a:rPr>
-              <a:t>			  &lt;list of variables&gt;</a:t>
-            </a:r>
+              <a:t>of </a:t>
+            </a:r>
+            <a:r>
+              <a:rPr lang="en-US" altLang="en-US" sz="2100" smtClean="0">
+                <a:latin typeface="Courier New" charset="0"/>
+                <a:ea typeface="ＭＳ Ｐゴシック" charset="-128"/>
+              </a:rPr>
+              <a:t>members&gt;</a:t>
+            </a:r>
+            <a:endParaRPr lang="en-US" altLang="en-US" sz="2100" dirty="0">
+              <a:latin typeface="Courier New" charset="0"/>
+              <a:ea typeface="ＭＳ Ｐゴシック" charset="-128"/>
+            </a:endParaRPr>
           </a:p>
           <a:p>
             <a:pPr>
@@ -28519,11 +28586,25 @@
               <a:buNone/>
             </a:pPr>
             <a:r>
-              <a:rPr lang="en-US" altLang="en-US" sz="2100">
+              <a:rPr lang="en-US" altLang="en-US" sz="2100" dirty="0">
                 <a:latin typeface="Courier New" charset="0"/>
                 <a:ea typeface="ＭＳ Ｐゴシック" charset="-128"/>
               </a:rPr>
-              <a:t>			} &lt;typeName&gt;;</a:t>
+              <a:t>			} &lt;</a:t>
+            </a:r>
+            <a:r>
+              <a:rPr lang="en-US" altLang="en-US" sz="2100" dirty="0" err="1">
+                <a:latin typeface="Courier New" charset="0"/>
+                <a:ea typeface="ＭＳ Ｐゴシック" charset="-128"/>
+              </a:rPr>
+              <a:t>typeName</a:t>
+            </a:r>
+            <a:r>
+              <a:rPr lang="en-US" altLang="en-US" sz="2100" dirty="0">
+                <a:latin typeface="Courier New" charset="0"/>
+                <a:ea typeface="ＭＳ Ｐゴシック" charset="-128"/>
+              </a:rPr>
+              <a:t>&gt;;</a:t>
             </a:r>
           </a:p>
           <a:p>
@@ -28533,7 +28614,7 @@
               </a:lnSpc>
             </a:pPr>
             <a:r>
-              <a:rPr lang="en-US" altLang="en-US" sz="2100">
+              <a:rPr lang="en-US" altLang="en-US" sz="2100" dirty="0">
                 <a:ea typeface="ＭＳ Ｐゴシック" charset="-128"/>
               </a:rPr>
               <a:t>Example:</a:t>
@@ -28548,17 +28629,38 @@
               <a:buNone/>
             </a:pPr>
             <a:r>
-              <a:rPr lang="en-US" altLang="en-US" sz="2100">
+              <a:rPr lang="en-US" altLang="en-US" sz="2100" dirty="0">
                 <a:ea typeface="ＭＳ Ｐゴシック" charset="-128"/>
               </a:rPr>
               <a:t>		</a:t>
             </a:r>
             <a:r>
-              <a:rPr lang="en-US" altLang="en-US" sz="2100">
+              <a:rPr lang="en-US" altLang="en-US" sz="2100" dirty="0" err="1">
                 <a:latin typeface="Courier New" charset="0"/>
                 <a:ea typeface="ＭＳ Ｐゴシック" charset="-128"/>
               </a:rPr>
-              <a:t>typedef struct {</a:t>
+              <a:t>typedef</a:t>
+            </a:r>
+            <a:r>
+              <a:rPr lang="en-US" altLang="en-US" sz="2100" dirty="0">
+                <a:latin typeface="Courier New" charset="0"/>
+                <a:ea typeface="ＭＳ Ｐゴシック" charset="-128"/>
+              </a:rPr>
+              <a:t> </a:t>
+            </a:r>
+            <a:r>
+              <a:rPr lang="en-US" altLang="en-US" sz="2100" dirty="0" err="1">
+                <a:latin typeface="Courier New" charset="0"/>
+                <a:ea typeface="ＭＳ Ｐゴシック" charset="-128"/>
+              </a:rPr>
+              <a:t>struct</a:t>
+            </a:r>
+            <a:r>
+              <a:rPr lang="en-US" altLang="en-US" sz="2100" dirty="0">
+                <a:latin typeface="Courier New" charset="0"/>
+                <a:ea typeface="ＭＳ Ｐゴシック" charset="-128"/>
+              </a:rPr>
+              <a:t> {</a:t>
             </a:r>
           </a:p>
           <a:p>
@@ -28570,7 +28672,7 @@
               <a:buNone/>
             </a:pPr>
             <a:r>
-              <a:rPr lang="en-US" altLang="en-US" sz="2100">
+              <a:rPr lang="en-US" altLang="en-US" sz="2100" dirty="0">
                 <a:latin typeface="Courier New" charset="0"/>
                 <a:ea typeface="ＭＳ Ｐゴシック" charset="-128"/>
               </a:rPr>
@@ -28586,7 +28688,7 @@
               <a:buNone/>
             </a:pPr>
             <a:r>
-              <a:rPr lang="en-US" altLang="en-US" sz="2100">
+              <a:rPr lang="en-US" altLang="en-US" sz="2100" dirty="0">
                 <a:latin typeface="Courier New" charset="0"/>
                 <a:ea typeface="ＭＳ Ｐゴシック" charset="-128"/>
               </a:rPr>
@@ -28602,7 +28704,7 @@
               <a:buNone/>
             </a:pPr>
             <a:r>
-              <a:rPr lang="en-US" altLang="en-US" sz="2100">
+              <a:rPr lang="en-US" altLang="en-US" sz="2100" dirty="0">
                 <a:latin typeface="Courier New" charset="0"/>
                 <a:ea typeface="ＭＳ Ｐゴシック" charset="-128"/>
               </a:rPr>
@@ -28618,11 +28720,25 @@
               <a:buNone/>
             </a:pPr>
             <a:r>
-              <a:rPr lang="en-US" altLang="en-US" sz="2100">
+              <a:rPr lang="en-US" altLang="en-US" sz="2100" dirty="0">
                 <a:latin typeface="Courier New" charset="0"/>
                 <a:ea typeface="ＭＳ Ｐゴシック" charset="-128"/>
               </a:rPr>
-              <a:t>			unsigned int ID;</a:t>
+              <a:t>			unsigned </a:t>
+            </a:r>
+            <a:r>
+              <a:rPr lang="en-US" altLang="en-US" sz="2100" dirty="0" err="1">
+                <a:latin typeface="Courier New" charset="0"/>
+                <a:ea typeface="ＭＳ Ｐゴシック" charset="-128"/>
+              </a:rPr>
+              <a:t>int</a:t>
+            </a:r>
+            <a:r>
+              <a:rPr lang="en-US" altLang="en-US" sz="2100" dirty="0">
+                <a:latin typeface="Courier New" charset="0"/>
+                <a:ea typeface="ＭＳ Ｐゴシック" charset="-128"/>
+              </a:rPr>
+              <a:t> ID;</a:t>
             </a:r>
           </a:p>
           <a:p>
@@ -28634,7 +28750,7 @@
               <a:buNone/>
             </a:pPr>
             <a:r>
-              <a:rPr lang="en-US" altLang="en-US" sz="2100">
+              <a:rPr lang="en-US" altLang="en-US" sz="2100" dirty="0">
                 <a:latin typeface="Courier New" charset="0"/>
                 <a:ea typeface="ＭＳ Ｐゴシック" charset="-128"/>
               </a:rPr>
@@ -28650,11 +28766,25 @@
               <a:buNone/>
             </a:pPr>
             <a:r>
-              <a:rPr lang="en-US" altLang="en-US" sz="2100">
+              <a:rPr lang="en-US" altLang="en-US" sz="2100" dirty="0">
                 <a:latin typeface="Courier New" charset="0"/>
                 <a:ea typeface="ＭＳ Ｐゴシック" charset="-128"/>
               </a:rPr>
-              <a:t>		} StudentInfo;</a:t>
+              <a:t>		} </a:t>
+            </a:r>
+            <a:r>
+              <a:rPr lang="en-US" altLang="en-US" sz="2100" dirty="0" err="1">
+                <a:latin typeface="Courier New" charset="0"/>
+                <a:ea typeface="ＭＳ Ｐゴシック" charset="-128"/>
+              </a:rPr>
+              <a:t>StudentInfo</a:t>
+            </a:r>
+            <a:r>
+              <a:rPr lang="en-US" altLang="en-US" sz="2100" dirty="0">
+                <a:latin typeface="Courier New" charset="0"/>
+                <a:ea typeface="ＭＳ Ｐゴシック" charset="-128"/>
+              </a:rPr>
+              <a:t>;</a:t>
             </a:r>
           </a:p>
           <a:p>
@@ -28664,14 +28794,14 @@
               </a:lnSpc>
             </a:pPr>
             <a:r>
-              <a:rPr lang="en-US" altLang="en-US" sz="2100">
+              <a:rPr lang="en-US" altLang="en-US" sz="2100" dirty="0" err="1">
                 <a:latin typeface="Courier New" charset="0"/>
                 <a:ea typeface="ＭＳ Ｐゴシック" charset="-128"/>
               </a:rPr>
               <a:t>typedef</a:t>
             </a:r>
             <a:r>
-              <a:rPr lang="en-US" altLang="en-US" sz="2100">
+              <a:rPr lang="en-US" altLang="en-US" sz="2100" dirty="0">
                 <a:ea typeface="ＭＳ Ｐゴシック" charset="-128"/>
               </a:rPr>
               <a:t> usually at program start (with #include, #define)</a:t>
@@ -28684,26 +28814,40 @@
               </a:lnSpc>
             </a:pPr>
             <a:r>
-              <a:rPr lang="en-US" altLang="en-US" sz="2100">
+              <a:rPr lang="en-US" altLang="en-US" sz="2100" dirty="0">
                 <a:latin typeface="Courier New" charset="0"/>
                 <a:ea typeface="ＭＳ Ｐゴシック" charset="-128"/>
               </a:rPr>
-              <a:t>&lt;typeName&gt; </a:t>
-            </a:r>
-            <a:r>
-              <a:rPr lang="en-US" altLang="en-US" sz="2100">
+              <a:t>&lt;</a:t>
+            </a:r>
+            <a:r>
+              <a:rPr lang="en-US" altLang="en-US" sz="2100" dirty="0" err="1">
+                <a:latin typeface="Courier New" charset="0"/>
+                <a:ea typeface="ＭＳ Ｐゴシック" charset="-128"/>
+              </a:rPr>
+              <a:t>typeName</a:t>
+            </a:r>
+            <a:r>
+              <a:rPr lang="en-US" altLang="en-US" sz="2100" dirty="0">
+                <a:latin typeface="Courier New" charset="0"/>
+                <a:ea typeface="ＭＳ Ｐゴシック" charset="-128"/>
+              </a:rPr>
+              <a:t>&gt; </a:t>
+            </a:r>
+            <a:r>
+              <a:rPr lang="en-US" altLang="en-US" sz="2100" dirty="0">
                 <a:ea typeface="ＭＳ Ｐゴシック" charset="-128"/>
               </a:rPr>
               <a:t>usually starts with capital letter</a:t>
             </a:r>
             <a:r>
-              <a:rPr lang="en-US" altLang="en-US" sz="2100">
+              <a:rPr lang="en-US" altLang="en-US" sz="2100" dirty="0">
                 <a:latin typeface="Courier New" charset="0"/>
                 <a:ea typeface="ＭＳ Ｐゴシック" charset="-128"/>
               </a:rPr>
               <a:t>		</a:t>
             </a:r>
-            <a:endParaRPr lang="en-US" altLang="en-US" sz="2100">
+            <a:endParaRPr lang="en-US" altLang="en-US" sz="2100" dirty="0">
               <a:ea typeface="ＭＳ Ｐゴシック" charset="-128"/>
             </a:endParaRPr>
           </a:p>
@@ -28943,7 +29087,7 @@
                 <a:buFontTx/>
                 <a:buNone/>
               </a:pPr>
-              <a:t>6/14/18</a:t>
+              <a:t>6/14/2018</a:t>
             </a:fld>
             <a:endParaRPr lang="en-US" altLang="en-US" sz="1200">
               <a:latin typeface="Garamond" charset="0"/>
@@ -29616,7 +29760,7 @@
                 <a:buFontTx/>
                 <a:buNone/>
               </a:pPr>
-              <a:t>6/14/18</a:t>
+              <a:t>6/14/2018</a:t>
             </a:fld>
             <a:endParaRPr lang="en-US" altLang="en-US" sz="1200">
               <a:latin typeface="Garamond" charset="0"/>
@@ -30324,7 +30468,7 @@
                 <a:buFontTx/>
                 <a:buNone/>
               </a:pPr>
-              <a:t>6/14/18</a:t>
+              <a:t>6/14/2018</a:t>
             </a:fld>
             <a:endParaRPr lang="en-US" altLang="en-US" sz="1200">
               <a:latin typeface="Garamond" charset="0"/>
